--- a/Presentation.pptx
+++ b/Presentation.pptx
@@ -109,6 +109,11 @@
       </a:defRPr>
     </a:lvl9pPr>
   </p:defaultTextStyle>
+  <p:extLst>
+    <p:ext uri="{EFAFB233-063F-42B5-8137-9DF3F51BA10A}">
+      <p15:sldGuideLst xmlns:p15="http://schemas.microsoft.com/office/powerpoint/2012/main"/>
+    </p:ext>
+  </p:extLst>
 </p:presentation>
 </file>
 
@@ -275,7 +280,7 @@
           <a:p>
             <a:fld id="{04B0AB32-1F68-439C-AB2E-37A79045F05E}" type="datetimeFigureOut">
               <a:rPr lang="en-US" smtClean="0"/>
-              <a:t>9/27/2019</a:t>
+              <a:t>9/28/2019</a:t>
             </a:fld>
             <a:endParaRPr lang="en-US"/>
           </a:p>
@@ -445,7 +450,7 @@
           <a:p>
             <a:fld id="{04B0AB32-1F68-439C-AB2E-37A79045F05E}" type="datetimeFigureOut">
               <a:rPr lang="en-US" smtClean="0"/>
-              <a:t>9/27/2019</a:t>
+              <a:t>9/28/2019</a:t>
             </a:fld>
             <a:endParaRPr lang="en-US"/>
           </a:p>
@@ -625,7 +630,7 @@
           <a:p>
             <a:fld id="{04B0AB32-1F68-439C-AB2E-37A79045F05E}" type="datetimeFigureOut">
               <a:rPr lang="en-US" smtClean="0"/>
-              <a:t>9/27/2019</a:t>
+              <a:t>9/28/2019</a:t>
             </a:fld>
             <a:endParaRPr lang="en-US"/>
           </a:p>
@@ -795,7 +800,7 @@
           <a:p>
             <a:fld id="{04B0AB32-1F68-439C-AB2E-37A79045F05E}" type="datetimeFigureOut">
               <a:rPr lang="en-US" smtClean="0"/>
-              <a:t>9/27/2019</a:t>
+              <a:t>9/28/2019</a:t>
             </a:fld>
             <a:endParaRPr lang="en-US"/>
           </a:p>
@@ -1063,7 +1068,7 @@
           <a:p>
             <a:fld id="{04B0AB32-1F68-439C-AB2E-37A79045F05E}" type="datetimeFigureOut">
               <a:rPr lang="en-US" smtClean="0"/>
-              <a:t>9/27/2019</a:t>
+              <a:t>9/28/2019</a:t>
             </a:fld>
             <a:endParaRPr lang="en-US"/>
           </a:p>
@@ -1295,7 +1300,7 @@
           <a:p>
             <a:fld id="{04B0AB32-1F68-439C-AB2E-37A79045F05E}" type="datetimeFigureOut">
               <a:rPr lang="en-US" smtClean="0"/>
-              <a:t>9/27/2019</a:t>
+              <a:t>9/28/2019</a:t>
             </a:fld>
             <a:endParaRPr lang="en-US"/>
           </a:p>
@@ -1654,7 +1659,7 @@
           <a:p>
             <a:fld id="{04B0AB32-1F68-439C-AB2E-37A79045F05E}" type="datetimeFigureOut">
               <a:rPr lang="en-US" smtClean="0"/>
-              <a:t>9/27/2019</a:t>
+              <a:t>9/28/2019</a:t>
             </a:fld>
             <a:endParaRPr lang="en-US"/>
           </a:p>
@@ -1795,7 +1800,7 @@
           <a:p>
             <a:fld id="{04B0AB32-1F68-439C-AB2E-37A79045F05E}" type="datetimeFigureOut">
               <a:rPr lang="en-US" smtClean="0"/>
-              <a:t>9/27/2019</a:t>
+              <a:t>9/28/2019</a:t>
             </a:fld>
             <a:endParaRPr lang="en-US"/>
           </a:p>
@@ -1890,7 +1895,7 @@
           <a:p>
             <a:fld id="{04B0AB32-1F68-439C-AB2E-37A79045F05E}" type="datetimeFigureOut">
               <a:rPr lang="en-US" smtClean="0"/>
-              <a:t>9/27/2019</a:t>
+              <a:t>9/28/2019</a:t>
             </a:fld>
             <a:endParaRPr lang="en-US"/>
           </a:p>
@@ -2247,7 +2252,7 @@
           <a:p>
             <a:fld id="{04B0AB32-1F68-439C-AB2E-37A79045F05E}" type="datetimeFigureOut">
               <a:rPr lang="en-US" smtClean="0"/>
-              <a:t>9/27/2019</a:t>
+              <a:t>9/28/2019</a:t>
             </a:fld>
             <a:endParaRPr lang="en-US"/>
           </a:p>
@@ -2604,7 +2609,7 @@
           <a:p>
             <a:fld id="{04B0AB32-1F68-439C-AB2E-37A79045F05E}" type="datetimeFigureOut">
               <a:rPr lang="en-US" smtClean="0"/>
-              <a:t>9/27/2019</a:t>
+              <a:t>9/28/2019</a:t>
             </a:fld>
             <a:endParaRPr lang="en-US"/>
           </a:p>
@@ -2846,7 +2851,7 @@
           <a:p>
             <a:fld id="{04B0AB32-1F68-439C-AB2E-37A79045F05E}" type="datetimeFigureOut">
               <a:rPr lang="en-US" smtClean="0"/>
-              <a:t>9/27/2019</a:t>
+              <a:t>9/28/2019</a:t>
             </a:fld>
             <a:endParaRPr lang="en-US"/>
           </a:p>
@@ -3284,6 +3289,14 @@
 <file path=ppt/slides/slide1.xml><?xml version="1.0" encoding="utf-8"?>
 <p:sld xmlns:a="http://schemas.openxmlformats.org/drawingml/2006/main" xmlns:r="http://schemas.openxmlformats.org/officeDocument/2006/relationships" xmlns:p="http://schemas.openxmlformats.org/presentationml/2006/main">
   <p:cSld>
+    <p:bg>
+      <p:bgPr>
+        <a:solidFill>
+          <a:schemeClr val="bg1"/>
+        </a:solidFill>
+        <a:effectLst/>
+      </p:bgPr>
+    </p:bg>
     <p:spTree>
       <p:nvGrpSpPr>
         <p:cNvPr id="1" name=""/>
@@ -3298,6 +3311,129 @@
           <a:chExt cx="0" cy="0"/>
         </a:xfrm>
       </p:grpSpPr>
+      <p:sp useBgFill="1">
+        <p:nvSpPr>
+          <p:cNvPr id="1028" name="Rectangle 70">
+            <a:extLst>
+              <a:ext uri="{FF2B5EF4-FFF2-40B4-BE49-F238E27FC236}">
+                <a16:creationId xmlns:a16="http://schemas.microsoft.com/office/drawing/2014/main" id="{C2AD7556-C90D-4946-8E4E-1E79D5B3D2F5}"/>
+              </a:ext>
+              <a:ext uri="{C183D7F6-B498-43B3-948B-1728B52AA6E4}">
+                <adec:decorative xmlns:adec="http://schemas.microsoft.com/office/drawing/2017/decorative" val="1"/>
+              </a:ext>
+            </a:extLst>
+          </p:cNvPr>
+          <p:cNvSpPr>
+            <a:spLocks noGrp="1" noRot="1" noChangeAspect="1" noMove="1" noResize="1" noEditPoints="1" noAdjustHandles="1" noChangeArrowheads="1" noChangeShapeType="1" noTextEdit="1"/>
+          </p:cNvSpPr>
+          <p:nvPr>
+            <p:extLst>
+              <p:ext uri="{386F3935-93C4-4BCD-93E2-E3B085C9AB24}">
+                <p16:designElem xmlns:p16="http://schemas.microsoft.com/office/powerpoint/2015/main" val="1"/>
+              </p:ext>
+            </p:extLst>
+          </p:nvPr>
+        </p:nvSpPr>
+        <p:spPr>
+          <a:xfrm>
+            <a:off x="0" y="-2"/>
+            <a:ext cx="12192000" cy="6858001"/>
+          </a:xfrm>
+          <a:prstGeom prst="rect">
+            <a:avLst/>
+          </a:prstGeom>
+          <a:ln>
+            <a:noFill/>
+          </a:ln>
+        </p:spPr>
+        <p:style>
+          <a:lnRef idx="2">
+            <a:schemeClr val="accent1">
+              <a:shade val="50000"/>
+            </a:schemeClr>
+          </a:lnRef>
+          <a:fillRef idx="1">
+            <a:schemeClr val="accent1"/>
+          </a:fillRef>
+          <a:effectRef idx="0">
+            <a:schemeClr val="accent1"/>
+          </a:effectRef>
+          <a:fontRef idx="minor">
+            <a:schemeClr val="lt1"/>
+          </a:fontRef>
+        </p:style>
+        <p:txBody>
+          <a:bodyPr rtlCol="0" anchor="ctr"/>
+          <a:lstStyle/>
+          <a:p>
+            <a:pPr algn="ctr"/>
+            <a:endParaRPr lang="en-US"/>
+          </a:p>
+        </p:txBody>
+      </p:sp>
+      <p:sp>
+        <p:nvSpPr>
+          <p:cNvPr id="1029" name="Rectangle 72">
+            <a:extLst>
+              <a:ext uri="{FF2B5EF4-FFF2-40B4-BE49-F238E27FC236}">
+                <a16:creationId xmlns:a16="http://schemas.microsoft.com/office/drawing/2014/main" id="{DBB0CC56-54B2-4AE0-87C5-296E78A028BA}"/>
+              </a:ext>
+              <a:ext uri="{C183D7F6-B498-43B3-948B-1728B52AA6E4}">
+                <adec:decorative xmlns:adec="http://schemas.microsoft.com/office/drawing/2017/decorative" val="1"/>
+              </a:ext>
+            </a:extLst>
+          </p:cNvPr>
+          <p:cNvSpPr>
+            <a:spLocks noGrp="1" noRot="1" noChangeAspect="1" noMove="1" noResize="1" noEditPoints="1" noAdjustHandles="1" noChangeArrowheads="1" noChangeShapeType="1" noTextEdit="1"/>
+          </p:cNvSpPr>
+          <p:nvPr>
+            <p:extLst>
+              <p:ext uri="{386F3935-93C4-4BCD-93E2-E3B085C9AB24}">
+                <p16:designElem xmlns:p16="http://schemas.microsoft.com/office/powerpoint/2015/main" val="1"/>
+              </p:ext>
+            </p:extLst>
+          </p:nvPr>
+        </p:nvSpPr>
+        <p:spPr>
+          <a:xfrm>
+            <a:off x="0" y="4242815"/>
+            <a:ext cx="12192000" cy="2615185"/>
+          </a:xfrm>
+          <a:prstGeom prst="rect">
+            <a:avLst/>
+          </a:prstGeom>
+          <a:solidFill>
+            <a:schemeClr val="accent2"/>
+          </a:solidFill>
+          <a:ln>
+            <a:noFill/>
+          </a:ln>
+        </p:spPr>
+        <p:style>
+          <a:lnRef idx="2">
+            <a:schemeClr val="accent1">
+              <a:shade val="50000"/>
+            </a:schemeClr>
+          </a:lnRef>
+          <a:fillRef idx="1">
+            <a:schemeClr val="accent1"/>
+          </a:fillRef>
+          <a:effectRef idx="0">
+            <a:schemeClr val="accent1"/>
+          </a:effectRef>
+          <a:fontRef idx="minor">
+            <a:schemeClr val="lt1"/>
+          </a:fontRef>
+        </p:style>
+        <p:txBody>
+          <a:bodyPr rtlCol="0" anchor="ctr"/>
+          <a:lstStyle/>
+          <a:p>
+            <a:pPr algn="ctr"/>
+            <a:endParaRPr lang="en-US"/>
+          </a:p>
+        </p:txBody>
+      </p:sp>
       <p:sp>
         <p:nvSpPr>
           <p:cNvPr id="2" name="Title 1">
@@ -3314,15 +3450,23 @@
             <p:ph type="ctrTitle"/>
           </p:nvPr>
         </p:nvSpPr>
-        <p:spPr/>
-        <p:txBody>
-          <a:bodyPr/>
-          <a:lstStyle/>
-          <a:p>
-            <a:r>
-              <a:rPr lang="en-US" dirty="0"/>
+        <p:spPr>
+          <a:xfrm>
+            <a:off x="1600200" y="3418891"/>
+            <a:ext cx="8991600" cy="1645920"/>
+          </a:xfrm>
+        </p:spPr>
+        <p:txBody>
+          <a:bodyPr>
+            <a:normAutofit/>
+          </a:bodyPr>
+          <a:lstStyle/>
+          <a:p>
+            <a:r>
+              <a:rPr lang="en-US"/>
               <a:t>Poverty Data Mining w/ A Random Decision Forest</a:t>
             </a:r>
+            <a:endParaRPr lang="en-US" dirty="0"/>
           </a:p>
         </p:txBody>
       </p:sp>
@@ -3342,18 +3486,82 @@
             <p:ph type="subTitle" idx="1"/>
           </p:nvPr>
         </p:nvSpPr>
-        <p:spPr/>
-        <p:txBody>
-          <a:bodyPr/>
-          <a:lstStyle/>
-          <a:p>
-            <a:r>
-              <a:rPr lang="en-US" dirty="0"/>
-              <a:t>Justin Wang</a:t>
-            </a:r>
-          </a:p>
-        </p:txBody>
-      </p:sp>
+        <p:spPr>
+          <a:xfrm>
+            <a:off x="2695194" y="5384691"/>
+            <a:ext cx="6801612" cy="736976"/>
+          </a:xfrm>
+        </p:spPr>
+        <p:txBody>
+          <a:bodyPr>
+            <a:normAutofit/>
+          </a:bodyPr>
+          <a:lstStyle/>
+          <a:p>
+            <a:r>
+              <a:rPr lang="en-US">
+                <a:solidFill>
+                  <a:srgbClr val="FFFFFF"/>
+                </a:solidFill>
+              </a:rPr>
+              <a:t>Justin,  Rauf,  Hassan,  AJ,  Tim</a:t>
+            </a:r>
+          </a:p>
+          <a:p>
+            <a:endParaRPr lang="en-US">
+              <a:solidFill>
+                <a:srgbClr val="FFFFFF"/>
+              </a:solidFill>
+            </a:endParaRPr>
+          </a:p>
+        </p:txBody>
+      </p:sp>
+      <p:pic>
+        <p:nvPicPr>
+          <p:cNvPr id="1026" name="Picture 2" descr="PYGHACK 2019">
+            <a:extLst>
+              <a:ext uri="{FF2B5EF4-FFF2-40B4-BE49-F238E27FC236}">
+                <a16:creationId xmlns:a16="http://schemas.microsoft.com/office/drawing/2014/main" id="{A894CD4D-094C-4416-A8C5-9BD999B834FE}"/>
+              </a:ext>
+            </a:extLst>
+          </p:cNvPr>
+          <p:cNvPicPr>
+            <a:picLocks noChangeAspect="1" noChangeArrowheads="1"/>
+          </p:cNvPicPr>
+          <p:nvPr/>
+        </p:nvPicPr>
+        <p:blipFill>
+          <a:blip r:embed="rId2">
+            <a:extLst>
+              <a:ext uri="{28A0092B-C50C-407E-A947-70E740481C1C}">
+                <a14:useLocalDpi xmlns:a14="http://schemas.microsoft.com/office/drawing/2010/main" val="0"/>
+              </a:ext>
+            </a:extLst>
+          </a:blip>
+          <a:stretch>
+            <a:fillRect/>
+          </a:stretch>
+        </p:blipFill>
+        <p:spPr bwMode="auto">
+          <a:xfrm>
+            <a:off x="3686476" y="1548997"/>
+            <a:ext cx="4819048" cy="638523"/>
+          </a:xfrm>
+          <a:prstGeom prst="rect">
+            <a:avLst/>
+          </a:prstGeom>
+          <a:noFill/>
+          <a:extLst>
+            <a:ext uri="{909E8E84-426E-40DD-AFC4-6F175D3DCCD1}">
+              <a14:hiddenFill xmlns:a14="http://schemas.microsoft.com/office/drawing/2010/main">
+                <a:solidFill>
+                  <a:srgbClr val="FFFFFF"/>
+                </a:solidFill>
+              </a14:hiddenFill>
+            </a:ext>
+          </a:extLst>
+        </p:spPr>
+      </p:pic>
     </p:spTree>
     <p:extLst>
       <p:ext uri="{BB962C8B-B14F-4D97-AF65-F5344CB8AC3E}">
@@ -3362,7 +3570,7 @@
     </p:extLst>
   </p:cSld>
   <p:clrMapOvr>
-    <a:masterClrMapping/>
+    <a:overrideClrMapping bg1="lt1" tx1="dk1" bg2="lt2" tx2="dk2" accent1="accent1" accent2="accent2" accent3="accent3" accent4="accent4" accent5="accent5" accent6="accent6" hlink="hlink" folHlink="folHlink"/>
   </p:clrMapOvr>
 </p:sld>
 </file>

--- a/Presentation.pptx
+++ b/Presentation.pptx
@@ -8,9 +8,8 @@
     <p:sldId id="256" r:id="rId2"/>
     <p:sldId id="257" r:id="rId3"/>
     <p:sldId id="258" r:id="rId4"/>
-    <p:sldId id="260" r:id="rId5"/>
-    <p:sldId id="259" r:id="rId6"/>
-    <p:sldId id="261" r:id="rId7"/>
+    <p:sldId id="259" r:id="rId5"/>
+    <p:sldId id="261" r:id="rId6"/>
   </p:sldIdLst>
   <p:sldSz cx="12192000" cy="6858000"/>
   <p:notesSz cx="6858000" cy="9144000"/>
@@ -3289,14 +3288,6 @@
 <file path=ppt/slides/slide1.xml><?xml version="1.0" encoding="utf-8"?>
 <p:sld xmlns:a="http://schemas.openxmlformats.org/drawingml/2006/main" xmlns:r="http://schemas.openxmlformats.org/officeDocument/2006/relationships" xmlns:p="http://schemas.openxmlformats.org/presentationml/2006/main">
   <p:cSld>
-    <p:bg>
-      <p:bgPr>
-        <a:solidFill>
-          <a:schemeClr val="bg1"/>
-        </a:solidFill>
-        <a:effectLst/>
-      </p:bgPr>
-    </p:bg>
     <p:spTree>
       <p:nvGrpSpPr>
         <p:cNvPr id="1" name=""/>
@@ -3311,129 +3302,6 @@
           <a:chExt cx="0" cy="0"/>
         </a:xfrm>
       </p:grpSpPr>
-      <p:sp useBgFill="1">
-        <p:nvSpPr>
-          <p:cNvPr id="1028" name="Rectangle 70">
-            <a:extLst>
-              <a:ext uri="{FF2B5EF4-FFF2-40B4-BE49-F238E27FC236}">
-                <a16:creationId xmlns:a16="http://schemas.microsoft.com/office/drawing/2014/main" id="{C2AD7556-C90D-4946-8E4E-1E79D5B3D2F5}"/>
-              </a:ext>
-              <a:ext uri="{C183D7F6-B498-43B3-948B-1728B52AA6E4}">
-                <adec:decorative xmlns:adec="http://schemas.microsoft.com/office/drawing/2017/decorative" val="1"/>
-              </a:ext>
-            </a:extLst>
-          </p:cNvPr>
-          <p:cNvSpPr>
-            <a:spLocks noGrp="1" noRot="1" noChangeAspect="1" noMove="1" noResize="1" noEditPoints="1" noAdjustHandles="1" noChangeArrowheads="1" noChangeShapeType="1" noTextEdit="1"/>
-          </p:cNvSpPr>
-          <p:nvPr>
-            <p:extLst>
-              <p:ext uri="{386F3935-93C4-4BCD-93E2-E3B085C9AB24}">
-                <p16:designElem xmlns:p16="http://schemas.microsoft.com/office/powerpoint/2015/main" val="1"/>
-              </p:ext>
-            </p:extLst>
-          </p:nvPr>
-        </p:nvSpPr>
-        <p:spPr>
-          <a:xfrm>
-            <a:off x="0" y="-2"/>
-            <a:ext cx="12192000" cy="6858001"/>
-          </a:xfrm>
-          <a:prstGeom prst="rect">
-            <a:avLst/>
-          </a:prstGeom>
-          <a:ln>
-            <a:noFill/>
-          </a:ln>
-        </p:spPr>
-        <p:style>
-          <a:lnRef idx="2">
-            <a:schemeClr val="accent1">
-              <a:shade val="50000"/>
-            </a:schemeClr>
-          </a:lnRef>
-          <a:fillRef idx="1">
-            <a:schemeClr val="accent1"/>
-          </a:fillRef>
-          <a:effectRef idx="0">
-            <a:schemeClr val="accent1"/>
-          </a:effectRef>
-          <a:fontRef idx="minor">
-            <a:schemeClr val="lt1"/>
-          </a:fontRef>
-        </p:style>
-        <p:txBody>
-          <a:bodyPr rtlCol="0" anchor="ctr"/>
-          <a:lstStyle/>
-          <a:p>
-            <a:pPr algn="ctr"/>
-            <a:endParaRPr lang="en-US"/>
-          </a:p>
-        </p:txBody>
-      </p:sp>
-      <p:sp>
-        <p:nvSpPr>
-          <p:cNvPr id="1029" name="Rectangle 72">
-            <a:extLst>
-              <a:ext uri="{FF2B5EF4-FFF2-40B4-BE49-F238E27FC236}">
-                <a16:creationId xmlns:a16="http://schemas.microsoft.com/office/drawing/2014/main" id="{DBB0CC56-54B2-4AE0-87C5-296E78A028BA}"/>
-              </a:ext>
-              <a:ext uri="{C183D7F6-B498-43B3-948B-1728B52AA6E4}">
-                <adec:decorative xmlns:adec="http://schemas.microsoft.com/office/drawing/2017/decorative" val="1"/>
-              </a:ext>
-            </a:extLst>
-          </p:cNvPr>
-          <p:cNvSpPr>
-            <a:spLocks noGrp="1" noRot="1" noChangeAspect="1" noMove="1" noResize="1" noEditPoints="1" noAdjustHandles="1" noChangeArrowheads="1" noChangeShapeType="1" noTextEdit="1"/>
-          </p:cNvSpPr>
-          <p:nvPr>
-            <p:extLst>
-              <p:ext uri="{386F3935-93C4-4BCD-93E2-E3B085C9AB24}">
-                <p16:designElem xmlns:p16="http://schemas.microsoft.com/office/powerpoint/2015/main" val="1"/>
-              </p:ext>
-            </p:extLst>
-          </p:nvPr>
-        </p:nvSpPr>
-        <p:spPr>
-          <a:xfrm>
-            <a:off x="0" y="4242815"/>
-            <a:ext cx="12192000" cy="2615185"/>
-          </a:xfrm>
-          <a:prstGeom prst="rect">
-            <a:avLst/>
-          </a:prstGeom>
-          <a:solidFill>
-            <a:schemeClr val="accent2"/>
-          </a:solidFill>
-          <a:ln>
-            <a:noFill/>
-          </a:ln>
-        </p:spPr>
-        <p:style>
-          <a:lnRef idx="2">
-            <a:schemeClr val="accent1">
-              <a:shade val="50000"/>
-            </a:schemeClr>
-          </a:lnRef>
-          <a:fillRef idx="1">
-            <a:schemeClr val="accent1"/>
-          </a:fillRef>
-          <a:effectRef idx="0">
-            <a:schemeClr val="accent1"/>
-          </a:effectRef>
-          <a:fontRef idx="minor">
-            <a:schemeClr val="lt1"/>
-          </a:fontRef>
-        </p:style>
-        <p:txBody>
-          <a:bodyPr rtlCol="0" anchor="ctr"/>
-          <a:lstStyle/>
-          <a:p>
-            <a:pPr algn="ctr"/>
-            <a:endParaRPr lang="en-US"/>
-          </a:p>
-        </p:txBody>
-      </p:sp>
       <p:sp>
         <p:nvSpPr>
           <p:cNvPr id="2" name="Title 1">
@@ -3450,23 +3318,15 @@
             <p:ph type="ctrTitle"/>
           </p:nvPr>
         </p:nvSpPr>
-        <p:spPr>
-          <a:xfrm>
-            <a:off x="1600200" y="3418891"/>
-            <a:ext cx="8991600" cy="1645920"/>
-          </a:xfrm>
-        </p:spPr>
-        <p:txBody>
-          <a:bodyPr>
-            <a:normAutofit/>
-          </a:bodyPr>
-          <a:lstStyle/>
-          <a:p>
-            <a:r>
-              <a:rPr lang="en-US"/>
+        <p:spPr/>
+        <p:txBody>
+          <a:bodyPr/>
+          <a:lstStyle/>
+          <a:p>
+            <a:r>
+              <a:rPr lang="en-US" dirty="0"/>
               <a:t>Poverty Data Mining w/ A Random Decision Forest</a:t>
             </a:r>
-            <a:endParaRPr lang="en-US" dirty="0"/>
           </a:p>
         </p:txBody>
       </p:sp>
@@ -3486,82 +3346,27 @@
             <p:ph type="subTitle" idx="1"/>
           </p:nvPr>
         </p:nvSpPr>
-        <p:spPr>
-          <a:xfrm>
-            <a:off x="2695194" y="5384691"/>
-            <a:ext cx="6801612" cy="736976"/>
-          </a:xfrm>
-        </p:spPr>
-        <p:txBody>
-          <a:bodyPr>
-            <a:normAutofit/>
-          </a:bodyPr>
-          <a:lstStyle/>
-          <a:p>
-            <a:r>
-              <a:rPr lang="en-US">
-                <a:solidFill>
-                  <a:srgbClr val="FFFFFF"/>
-                </a:solidFill>
+        <p:spPr/>
+        <p:txBody>
+          <a:bodyPr/>
+          <a:lstStyle/>
+          <a:p>
+            <a:r>
+              <a:rPr lang="en-US" dirty="0"/>
+              <a:t>Identifying the Problem is the First Step</a:t>
+            </a:r>
+          </a:p>
+          <a:p>
+            <a:r>
+              <a:rPr lang="en-US" dirty="0">
+                <a:hlinkClick r:id="rId2"/>
               </a:rPr>
-              <a:t>Justin,  Rauf,  Hassan,  AJ,  Tim</a:t>
-            </a:r>
-          </a:p>
-          <a:p>
-            <a:endParaRPr lang="en-US">
-              <a:solidFill>
-                <a:srgbClr val="FFFFFF"/>
-              </a:solidFill>
-            </a:endParaRPr>
-          </a:p>
-        </p:txBody>
-      </p:sp>
-      <p:pic>
-        <p:nvPicPr>
-          <p:cNvPr id="1026" name="Picture 2" descr="PYGHACK 2019">
-            <a:extLst>
-              <a:ext uri="{FF2B5EF4-FFF2-40B4-BE49-F238E27FC236}">
-                <a16:creationId xmlns:a16="http://schemas.microsoft.com/office/drawing/2014/main" id="{A894CD4D-094C-4416-A8C5-9BD999B834FE}"/>
-              </a:ext>
-            </a:extLst>
-          </p:cNvPr>
-          <p:cNvPicPr>
-            <a:picLocks noChangeAspect="1" noChangeArrowheads="1"/>
-          </p:cNvPicPr>
-          <p:nvPr/>
-        </p:nvPicPr>
-        <p:blipFill>
-          <a:blip r:embed="rId2">
-            <a:extLst>
-              <a:ext uri="{28A0092B-C50C-407E-A947-70E740481C1C}">
-                <a14:useLocalDpi xmlns:a14="http://schemas.microsoft.com/office/drawing/2010/main" val="0"/>
-              </a:ext>
-            </a:extLst>
-          </a:blip>
-          <a:stretch>
-            <a:fillRect/>
-          </a:stretch>
-        </p:blipFill>
-        <p:spPr bwMode="auto">
-          <a:xfrm>
-            <a:off x="3686476" y="1548997"/>
-            <a:ext cx="4819048" cy="638523"/>
-          </a:xfrm>
-          <a:prstGeom prst="rect">
-            <a:avLst/>
-          </a:prstGeom>
-          <a:noFill/>
-          <a:extLst>
-            <a:ext uri="{909E8E84-426E-40DD-AFC4-6F175D3DCCD1}">
-              <a14:hiddenFill xmlns:a14="http://schemas.microsoft.com/office/drawing/2010/main">
-                <a:solidFill>
-                  <a:srgbClr val="FFFFFF"/>
-                </a:solidFill>
-              </a14:hiddenFill>
-            </a:ext>
-          </a:extLst>
-        </p:spPr>
-      </p:pic>
+              <a:t>www.cu-poverty.ml</a:t>
+            </a:r>
+            <a:endParaRPr lang="en-US" dirty="0"/>
+          </a:p>
+        </p:txBody>
+      </p:sp>
     </p:spTree>
     <p:extLst>
       <p:ext uri="{BB962C8B-B14F-4D97-AF65-F5344CB8AC3E}">
@@ -3570,7 +3375,7 @@
     </p:extLst>
   </p:cSld>
   <p:clrMapOvr>
-    <a:overrideClrMapping bg1="lt1" tx1="dk1" bg2="lt2" tx2="dk2" accent1="accent1" accent2="accent2" accent3="accent3" accent4="accent4" accent5="accent5" accent6="accent6" hlink="hlink" folHlink="folHlink"/>
+    <a:masterClrMapping/>
   </p:clrMapOvr>
 </p:sld>
 </file>
@@ -3794,7 +3599,7 @@
             <a:pPr fontAlgn="base"/>
             <a:r>
               <a:rPr lang="en-US" dirty="0"/>
-              <a:t>Decision tree is built greedily using iterative Gini index for maximizing co-variance</a:t>
+              <a:t>Decision tree is built greedily using iterative Gini index for minimizing co-variance</a:t>
             </a:r>
           </a:p>
           <a:p>
@@ -3988,6 +3793,16 @@
 <file path=ppt/slides/slide4.xml><?xml version="1.0" encoding="utf-8"?>
 <p:sld xmlns:a="http://schemas.openxmlformats.org/drawingml/2006/main" xmlns:r="http://schemas.openxmlformats.org/officeDocument/2006/relationships" xmlns:p="http://schemas.openxmlformats.org/presentationml/2006/main">
   <p:cSld>
+    <p:bg>
+      <p:bgPr>
+        <a:solidFill>
+          <a:schemeClr val="bg1">
+            <a:lumMod val="95000"/>
+          </a:schemeClr>
+        </a:solidFill>
+        <a:effectLst/>
+      </p:bgPr>
+    </p:bg>
     <p:spTree>
       <p:nvGrpSpPr>
         <p:cNvPr id="1" name=""/>
@@ -4007,7 +3822,7 @@
           <p:cNvPr id="2" name="Title 1">
             <a:extLst>
               <a:ext uri="{FF2B5EF4-FFF2-40B4-BE49-F238E27FC236}">
-                <a16:creationId xmlns:a16="http://schemas.microsoft.com/office/drawing/2014/main" id="{BCDA20E0-F8D0-41B7-9BEE-2CA44E5346ED}"/>
+                <a16:creationId xmlns:a16="http://schemas.microsoft.com/office/drawing/2014/main" id="{F977D67C-F6AA-4F73-AEE1-39C8D721A576}"/>
               </a:ext>
             </a:extLst>
           </p:cNvPr>
@@ -4018,14 +3833,21 @@
             <p:ph type="title"/>
           </p:nvPr>
         </p:nvSpPr>
-        <p:spPr/>
-        <p:txBody>
-          <a:bodyPr/>
-          <a:lstStyle/>
-          <a:p>
-            <a:r>
-              <a:rPr lang="en-US" dirty="0"/>
-              <a:t>Initial Exploratory Data Analysis</a:t>
+        <p:spPr>
+          <a:xfrm>
+            <a:off x="804672" y="964692"/>
+            <a:ext cx="3066937" cy="1188720"/>
+          </a:xfrm>
+        </p:spPr>
+        <p:txBody>
+          <a:bodyPr>
+            <a:normAutofit/>
+          </a:bodyPr>
+          <a:lstStyle/>
+          <a:p>
+            <a:r>
+              <a:rPr lang="en-US" sz="1500"/>
+              <a:t>Feature Importance For Decision Tree Pruning</a:t>
             </a:r>
           </a:p>
         </p:txBody>
@@ -4035,7 +3857,7 @@
           <p:cNvPr id="3" name="Content Placeholder 2">
             <a:extLst>
               <a:ext uri="{FF2B5EF4-FFF2-40B4-BE49-F238E27FC236}">
-                <a16:creationId xmlns:a16="http://schemas.microsoft.com/office/drawing/2014/main" id="{29C7555A-B334-4C37-A635-7130A60DCFCB}"/>
+                <a16:creationId xmlns:a16="http://schemas.microsoft.com/office/drawing/2014/main" id="{8AFF3D78-5EFB-42DA-B946-19A2C7068C47}"/>
               </a:ext>
             </a:extLst>
           </p:cNvPr>
@@ -4046,19 +3868,189 @@
             <p:ph idx="1"/>
           </p:nvPr>
         </p:nvSpPr>
-        <p:spPr/>
-        <p:txBody>
-          <a:bodyPr/>
-          <a:lstStyle/>
+        <p:spPr>
+          <a:xfrm>
+            <a:off x="803244" y="2638044"/>
+            <a:ext cx="3063765" cy="3263206"/>
+          </a:xfrm>
+        </p:spPr>
+        <p:txBody>
+          <a:bodyPr>
+            <a:normAutofit/>
+          </a:bodyPr>
+          <a:lstStyle/>
+          <a:p>
+            <a:r>
+              <a:rPr lang="en-US" dirty="0"/>
+              <a:t>After training our decision trees, we were able to find the feature importance of various demographic factors</a:t>
+            </a:r>
+          </a:p>
           <a:p>
             <a:endParaRPr lang="en-US" dirty="0"/>
           </a:p>
         </p:txBody>
       </p:sp>
+      <p:sp>
+        <p:nvSpPr>
+          <p:cNvPr id="13" name="Rectangle 8">
+            <a:extLst>
+              <a:ext uri="{FF2B5EF4-FFF2-40B4-BE49-F238E27FC236}">
+                <a16:creationId xmlns:a16="http://schemas.microsoft.com/office/drawing/2014/main" id="{6515FC82-3453-4CBE-8895-4CCFF339529E}"/>
+              </a:ext>
+              <a:ext uri="{C183D7F6-B498-43B3-948B-1728B52AA6E4}">
+                <adec:decorative xmlns:adec="http://schemas.microsoft.com/office/drawing/2017/decorative" val="1"/>
+              </a:ext>
+            </a:extLst>
+          </p:cNvPr>
+          <p:cNvSpPr>
+            <a:spLocks noGrp="1" noRot="1" noChangeAspect="1" noMove="1" noResize="1" noEditPoints="1" noAdjustHandles="1" noChangeArrowheads="1" noChangeShapeType="1" noTextEdit="1"/>
+          </p:cNvSpPr>
+          <p:nvPr>
+            <p:extLst>
+              <p:ext uri="{386F3935-93C4-4BCD-93E2-E3B085C9AB24}">
+                <p16:designElem xmlns:p16="http://schemas.microsoft.com/office/powerpoint/2015/main" val="1"/>
+              </p:ext>
+            </p:extLst>
+          </p:nvPr>
+        </p:nvSpPr>
+        <p:spPr>
+          <a:xfrm>
+            <a:off x="4494182" y="964692"/>
+            <a:ext cx="6885432" cy="4936558"/>
+          </a:xfrm>
+          <a:prstGeom prst="rect">
+            <a:avLst/>
+          </a:prstGeom>
+          <a:noFill/>
+          <a:ln w="31750" cap="sq">
+            <a:solidFill>
+              <a:srgbClr val="FFFFFF"/>
+            </a:solidFill>
+            <a:miter lim="800000"/>
+          </a:ln>
+        </p:spPr>
+        <p:style>
+          <a:lnRef idx="2">
+            <a:schemeClr val="accent1">
+              <a:shade val="50000"/>
+            </a:schemeClr>
+          </a:lnRef>
+          <a:fillRef idx="1">
+            <a:schemeClr val="accent1"/>
+          </a:fillRef>
+          <a:effectRef idx="0">
+            <a:schemeClr val="accent1"/>
+          </a:effectRef>
+          <a:fontRef idx="minor">
+            <a:schemeClr val="lt1"/>
+          </a:fontRef>
+        </p:style>
+        <p:txBody>
+          <a:bodyPr rtlCol="0" anchor="ctr"/>
+          <a:lstStyle/>
+          <a:p>
+            <a:pPr algn="ctr"/>
+            <a:endParaRPr lang="en-US" dirty="0"/>
+          </a:p>
+        </p:txBody>
+      </p:sp>
+      <p:sp>
+        <p:nvSpPr>
+          <p:cNvPr id="14" name="Rectangle 10">
+            <a:extLst>
+              <a:ext uri="{FF2B5EF4-FFF2-40B4-BE49-F238E27FC236}">
+                <a16:creationId xmlns:a16="http://schemas.microsoft.com/office/drawing/2014/main" id="{C5FD847B-65C0-4027-8DFC-70CB424514F8}"/>
+              </a:ext>
+              <a:ext uri="{C183D7F6-B498-43B3-948B-1728B52AA6E4}">
+                <adec:decorative xmlns:adec="http://schemas.microsoft.com/office/drawing/2017/decorative" val="1"/>
+              </a:ext>
+            </a:extLst>
+          </p:cNvPr>
+          <p:cNvSpPr>
+            <a:spLocks noGrp="1" noRot="1" noChangeAspect="1" noMove="1" noResize="1" noEditPoints="1" noAdjustHandles="1" noChangeArrowheads="1" noChangeShapeType="1" noTextEdit="1"/>
+          </p:cNvSpPr>
+          <p:nvPr>
+            <p:extLst>
+              <p:ext uri="{386F3935-93C4-4BCD-93E2-E3B085C9AB24}">
+                <p16:designElem xmlns:p16="http://schemas.microsoft.com/office/powerpoint/2015/main" val="1"/>
+              </p:ext>
+            </p:extLst>
+          </p:nvPr>
+        </p:nvSpPr>
+        <p:spPr>
+          <a:xfrm>
+            <a:off x="4657802" y="1128683"/>
+            <a:ext cx="6558192" cy="4608576"/>
+          </a:xfrm>
+          <a:prstGeom prst="rect">
+            <a:avLst/>
+          </a:prstGeom>
+          <a:solidFill>
+            <a:srgbClr val="FFFFFF"/>
+          </a:solidFill>
+          <a:ln>
+            <a:noFill/>
+          </a:ln>
+        </p:spPr>
+        <p:style>
+          <a:lnRef idx="2">
+            <a:schemeClr val="accent1">
+              <a:shade val="50000"/>
+            </a:schemeClr>
+          </a:lnRef>
+          <a:fillRef idx="1">
+            <a:schemeClr val="accent1"/>
+          </a:fillRef>
+          <a:effectRef idx="0">
+            <a:schemeClr val="accent1"/>
+          </a:effectRef>
+          <a:fontRef idx="minor">
+            <a:schemeClr val="lt1"/>
+          </a:fontRef>
+        </p:style>
+        <p:txBody>
+          <a:bodyPr rtlCol="0" anchor="ctr"/>
+          <a:lstStyle/>
+          <a:p>
+            <a:pPr algn="ctr"/>
+            <a:endParaRPr lang="en-US"/>
+          </a:p>
+        </p:txBody>
+      </p:sp>
+      <p:pic>
+        <p:nvPicPr>
+          <p:cNvPr id="4" name="Picture 3">
+            <a:extLst>
+              <a:ext uri="{FF2B5EF4-FFF2-40B4-BE49-F238E27FC236}">
+                <a16:creationId xmlns:a16="http://schemas.microsoft.com/office/drawing/2014/main" id="{3A2B25D7-946D-40EC-B6F8-3297CB4D0912}"/>
+              </a:ext>
+            </a:extLst>
+          </p:cNvPr>
+          <p:cNvPicPr>
+            <a:picLocks noChangeAspect="1"/>
+          </p:cNvPicPr>
+          <p:nvPr/>
+        </p:nvPicPr>
+        <p:blipFill>
+          <a:blip r:embed="rId2"/>
+          <a:stretch>
+            <a:fillRect/>
+          </a:stretch>
+        </p:blipFill>
+        <p:spPr>
+          <a:xfrm>
+            <a:off x="4823366" y="2249829"/>
+            <a:ext cx="6227064" cy="2366284"/>
+          </a:xfrm>
+          <a:prstGeom prst="rect">
+            <a:avLst/>
+          </a:prstGeom>
+        </p:spPr>
+      </p:pic>
     </p:spTree>
     <p:extLst>
       <p:ext uri="{BB962C8B-B14F-4D97-AF65-F5344CB8AC3E}">
-        <p14:creationId xmlns:p14="http://schemas.microsoft.com/office/powerpoint/2010/main" val="3702051761"/>
+        <p14:creationId xmlns:p14="http://schemas.microsoft.com/office/powerpoint/2010/main" val="1563005808"/>
       </p:ext>
     </p:extLst>
   </p:cSld>
@@ -4090,89 +4082,6 @@
           <p:cNvPr id="2" name="Title 1">
             <a:extLst>
               <a:ext uri="{FF2B5EF4-FFF2-40B4-BE49-F238E27FC236}">
-                <a16:creationId xmlns:a16="http://schemas.microsoft.com/office/drawing/2014/main" id="{F977D67C-F6AA-4F73-AEE1-39C8D721A576}"/>
-              </a:ext>
-            </a:extLst>
-          </p:cNvPr>
-          <p:cNvSpPr>
-            <a:spLocks noGrp="1"/>
-          </p:cNvSpPr>
-          <p:nvPr>
-            <p:ph type="title"/>
-          </p:nvPr>
-        </p:nvSpPr>
-        <p:spPr/>
-        <p:txBody>
-          <a:bodyPr/>
-          <a:lstStyle/>
-          <a:p>
-            <a:r>
-              <a:rPr lang="en-US" dirty="0"/>
-              <a:t>Feature Importance For Decision Tree Pruning</a:t>
-            </a:r>
-          </a:p>
-        </p:txBody>
-      </p:sp>
-      <p:sp>
-        <p:nvSpPr>
-          <p:cNvPr id="3" name="Content Placeholder 2">
-            <a:extLst>
-              <a:ext uri="{FF2B5EF4-FFF2-40B4-BE49-F238E27FC236}">
-                <a16:creationId xmlns:a16="http://schemas.microsoft.com/office/drawing/2014/main" id="{8AFF3D78-5EFB-42DA-B946-19A2C7068C47}"/>
-              </a:ext>
-            </a:extLst>
-          </p:cNvPr>
-          <p:cNvSpPr>
-            <a:spLocks noGrp="1"/>
-          </p:cNvSpPr>
-          <p:nvPr>
-            <p:ph idx="1"/>
-          </p:nvPr>
-        </p:nvSpPr>
-        <p:spPr/>
-        <p:txBody>
-          <a:bodyPr/>
-          <a:lstStyle/>
-          <a:p>
-            <a:endParaRPr lang="en-US" dirty="0"/>
-          </a:p>
-        </p:txBody>
-      </p:sp>
-    </p:spTree>
-    <p:extLst>
-      <p:ext uri="{BB962C8B-B14F-4D97-AF65-F5344CB8AC3E}">
-        <p14:creationId xmlns:p14="http://schemas.microsoft.com/office/powerpoint/2010/main" val="1563005808"/>
-      </p:ext>
-    </p:extLst>
-  </p:cSld>
-  <p:clrMapOvr>
-    <a:masterClrMapping/>
-  </p:clrMapOvr>
-</p:sld>
-</file>
-
-<file path=ppt/slides/slide6.xml><?xml version="1.0" encoding="utf-8"?>
-<p:sld xmlns:a="http://schemas.openxmlformats.org/drawingml/2006/main" xmlns:r="http://schemas.openxmlformats.org/officeDocument/2006/relationships" xmlns:p="http://schemas.openxmlformats.org/presentationml/2006/main">
-  <p:cSld>
-    <p:spTree>
-      <p:nvGrpSpPr>
-        <p:cNvPr id="1" name=""/>
-        <p:cNvGrpSpPr/>
-        <p:nvPr/>
-      </p:nvGrpSpPr>
-      <p:grpSpPr>
-        <a:xfrm>
-          <a:off x="0" y="0"/>
-          <a:ext cx="0" cy="0"/>
-          <a:chOff x="0" y="0"/>
-          <a:chExt cx="0" cy="0"/>
-        </a:xfrm>
-      </p:grpSpPr>
-      <p:sp>
-        <p:nvSpPr>
-          <p:cNvPr id="2" name="Title 1">
-            <a:extLst>
-              <a:ext uri="{FF2B5EF4-FFF2-40B4-BE49-F238E27FC236}">
                 <a16:creationId xmlns:a16="http://schemas.microsoft.com/office/drawing/2014/main" id="{BDE07833-C55D-4469-9797-068E872843E3}"/>
               </a:ext>
             </a:extLst>
@@ -4216,6 +4125,37 @@
         <p:txBody>
           <a:bodyPr/>
           <a:lstStyle/>
+          <a:p>
+            <a:r>
+              <a:rPr lang="en-US" dirty="0"/>
+              <a:t>Developed a website to dynamically input demographic data to find factors affecting poverty rate </a:t>
+            </a:r>
+            <a:r>
+              <a:rPr lang="en-US" dirty="0">
+                <a:hlinkClick r:id="rId2"/>
+              </a:rPr>
+              <a:t>www.cu-poverty.ml</a:t>
+            </a:r>
+            <a:r>
+              <a:rPr lang="en-US" dirty="0"/>
+              <a:t> </a:t>
+            </a:r>
+          </a:p>
+          <a:p>
+            <a:r>
+              <a:rPr lang="en-US" dirty="0"/>
+              <a:t>Iterative tuning process of money allocation by local services</a:t>
+            </a:r>
+          </a:p>
+          <a:p>
+            <a:r>
+              <a:rPr lang="en-US" dirty="0"/>
+              <a:t>Government or non-profits can use our service to target specific factors</a:t>
+            </a:r>
+          </a:p>
+          <a:p>
+            <a:endParaRPr lang="en-US" dirty="0"/>
+          </a:p>
           <a:p>
             <a:endParaRPr lang="en-US" dirty="0"/>
           </a:p>
